--- a/EBSD/2.pptx
+++ b/EBSD/2.pptx
@@ -5,11 +5,10 @@
     <p:sldMasterId id="2147483648" r:id="rId1"/>
   </p:sldMasterIdLst>
   <p:notesMasterIdLst>
-    <p:notesMasterId r:id="rId4"/>
+    <p:notesMasterId r:id="rId3"/>
   </p:notesMasterIdLst>
   <p:sldIdLst>
     <p:sldId id="311" r:id="rId2"/>
-    <p:sldId id="313" r:id="rId3"/>
   </p:sldIdLst>
   <p:sldSz cx="12192000" cy="6858000"/>
   <p:notesSz cx="6858000" cy="9144000"/>
@@ -108,6 +107,11 @@
       </a:defRPr>
     </a:lvl9pPr>
   </p:defaultTextStyle>
+  <p:extLst>
+    <p:ext uri="{EFAFB233-063F-42B5-8137-9DF3F51BA10A}">
+      <p15:sldGuideLst xmlns:p15="http://schemas.microsoft.com/office/powerpoint/2012/main"/>
+    </p:ext>
+  </p:extLst>
 </p:presentation>
 </file>
 
@@ -193,7 +197,7 @@
           <a:p>
             <a:fld id="{03ADF56F-7C18-46A2-B908-08A61374452D}" type="datetimeFigureOut">
               <a:rPr lang="en-US" smtClean="0"/>
-              <a:t>10/3/2024</a:t>
+              <a:t>1/3/2025</a:t>
             </a:fld>
             <a:endParaRPr lang="en-US"/>
           </a:p>
@@ -554,100 +558,6 @@
 </p:notes>
 </file>
 
-<file path=ppt/notesSlides/notesSlide2.xml><?xml version="1.0" encoding="utf-8"?>
-<p:notes xmlns:a="http://schemas.openxmlformats.org/drawingml/2006/main" xmlns:r="http://schemas.openxmlformats.org/officeDocument/2006/relationships" xmlns:p="http://schemas.openxmlformats.org/presentationml/2006/main">
-  <p:cSld>
-    <p:spTree>
-      <p:nvGrpSpPr>
-        <p:cNvPr id="1" name=""/>
-        <p:cNvGrpSpPr/>
-        <p:nvPr/>
-      </p:nvGrpSpPr>
-      <p:grpSpPr>
-        <a:xfrm>
-          <a:off x="0" y="0"/>
-          <a:ext cx="0" cy="0"/>
-          <a:chOff x="0" y="0"/>
-          <a:chExt cx="0" cy="0"/>
-        </a:xfrm>
-      </p:grpSpPr>
-      <p:sp>
-        <p:nvSpPr>
-          <p:cNvPr id="2" name="Slide Image Placeholder 1"/>
-          <p:cNvSpPr>
-            <a:spLocks noGrp="1" noRot="1" noChangeAspect="1"/>
-          </p:cNvSpPr>
-          <p:nvPr>
-            <p:ph type="sldImg"/>
-          </p:nvPr>
-        </p:nvSpPr>
-        <p:spPr>
-          <a:xfrm>
-            <a:off x="217488" y="812800"/>
-            <a:ext cx="7124700" cy="4008438"/>
-          </a:xfrm>
-        </p:spPr>
-      </p:sp>
-      <p:sp>
-        <p:nvSpPr>
-          <p:cNvPr id="3" name="Notes Placeholder 2"/>
-          <p:cNvSpPr>
-            <a:spLocks noGrp="1"/>
-          </p:cNvSpPr>
-          <p:nvPr>
-            <p:ph type="body" idx="1"/>
-          </p:nvPr>
-        </p:nvSpPr>
-        <p:spPr/>
-        <p:txBody>
-          <a:bodyPr/>
-          <a:lstStyle/>
-          <a:p>
-            <a:endParaRPr lang="en-US" dirty="0"/>
-          </a:p>
-        </p:txBody>
-      </p:sp>
-      <p:sp>
-        <p:nvSpPr>
-          <p:cNvPr id="4" name="Slide Number Placeholder 3"/>
-          <p:cNvSpPr>
-            <a:spLocks noGrp="1"/>
-          </p:cNvSpPr>
-          <p:nvPr>
-            <p:ph type="sldNum"/>
-          </p:nvPr>
-        </p:nvSpPr>
-        <p:spPr/>
-        <p:txBody>
-          <a:bodyPr/>
-          <a:lstStyle/>
-          <a:p>
-            <a:pPr algn="r"/>
-            <a:fld id="{299BB307-EF85-4F87-8176-B7AC0A80B983}" type="slidenum">
-              <a:rPr lang="en-GB" sz="1400" b="0" strike="noStrike" spc="-1" smtClean="0">
-                <a:latin typeface="Times New Roman"/>
-              </a:rPr>
-              <a:t>2</a:t>
-            </a:fld>
-            <a:endParaRPr lang="en-GB" sz="1400" b="0" strike="noStrike" spc="-1">
-              <a:latin typeface="Times New Roman"/>
-            </a:endParaRPr>
-          </a:p>
-        </p:txBody>
-      </p:sp>
-    </p:spTree>
-    <p:extLst>
-      <p:ext uri="{BB962C8B-B14F-4D97-AF65-F5344CB8AC3E}">
-        <p14:creationId xmlns:p14="http://schemas.microsoft.com/office/powerpoint/2010/main" val="1644540984"/>
-      </p:ext>
-    </p:extLst>
-  </p:cSld>
-  <p:clrMapOvr>
-    <a:masterClrMapping/>
-  </p:clrMapOvr>
-</p:notes>
-</file>
-
 <file path=ppt/slideLayouts/slideLayout1.xml><?xml version="1.0" encoding="utf-8"?>
 <p:sldLayout xmlns:a="http://schemas.openxmlformats.org/drawingml/2006/main" xmlns:r="http://schemas.openxmlformats.org/officeDocument/2006/relationships" xmlns:p="http://schemas.openxmlformats.org/presentationml/2006/main" type="title" preserve="1">
   <p:cSld name="Title Slide">
@@ -795,7 +705,7 @@
           <a:p>
             <a:fld id="{A7042DB0-B16A-4DC5-BCCD-59D337B75E0B}" type="datetimeFigureOut">
               <a:rPr lang="en-US" smtClean="0"/>
-              <a:t>10/3/2024</a:t>
+              <a:t>1/3/2025</a:t>
             </a:fld>
             <a:endParaRPr lang="en-US"/>
           </a:p>
@@ -993,7 +903,7 @@
           <a:p>
             <a:fld id="{A7042DB0-B16A-4DC5-BCCD-59D337B75E0B}" type="datetimeFigureOut">
               <a:rPr lang="en-US" smtClean="0"/>
-              <a:t>10/3/2024</a:t>
+              <a:t>1/3/2025</a:t>
             </a:fld>
             <a:endParaRPr lang="en-US"/>
           </a:p>
@@ -1201,7 +1111,7 @@
           <a:p>
             <a:fld id="{A7042DB0-B16A-4DC5-BCCD-59D337B75E0B}" type="datetimeFigureOut">
               <a:rPr lang="en-US" smtClean="0"/>
-              <a:t>10/3/2024</a:t>
+              <a:t>1/3/2025</a:t>
             </a:fld>
             <a:endParaRPr lang="en-US"/>
           </a:p>
@@ -1493,7 +1403,7 @@
           <a:p>
             <a:fld id="{A7042DB0-B16A-4DC5-BCCD-59D337B75E0B}" type="datetimeFigureOut">
               <a:rPr lang="en-US" smtClean="0"/>
-              <a:t>10/3/2024</a:t>
+              <a:t>1/3/2025</a:t>
             </a:fld>
             <a:endParaRPr lang="en-US"/>
           </a:p>
@@ -1768,7 +1678,7 @@
           <a:p>
             <a:fld id="{A7042DB0-B16A-4DC5-BCCD-59D337B75E0B}" type="datetimeFigureOut">
               <a:rPr lang="en-US" smtClean="0"/>
-              <a:t>10/3/2024</a:t>
+              <a:t>1/3/2025</a:t>
             </a:fld>
             <a:endParaRPr lang="en-US"/>
           </a:p>
@@ -2033,7 +1943,7 @@
           <a:p>
             <a:fld id="{A7042DB0-B16A-4DC5-BCCD-59D337B75E0B}" type="datetimeFigureOut">
               <a:rPr lang="en-US" smtClean="0"/>
-              <a:t>10/3/2024</a:t>
+              <a:t>1/3/2025</a:t>
             </a:fld>
             <a:endParaRPr lang="en-US"/>
           </a:p>
@@ -2445,7 +2355,7 @@
           <a:p>
             <a:fld id="{A7042DB0-B16A-4DC5-BCCD-59D337B75E0B}" type="datetimeFigureOut">
               <a:rPr lang="en-US" smtClean="0"/>
-              <a:t>10/3/2024</a:t>
+              <a:t>1/3/2025</a:t>
             </a:fld>
             <a:endParaRPr lang="en-US"/>
           </a:p>
@@ -2586,7 +2496,7 @@
           <a:p>
             <a:fld id="{A7042DB0-B16A-4DC5-BCCD-59D337B75E0B}" type="datetimeFigureOut">
               <a:rPr lang="en-US" smtClean="0"/>
-              <a:t>10/3/2024</a:t>
+              <a:t>1/3/2025</a:t>
             </a:fld>
             <a:endParaRPr lang="en-US"/>
           </a:p>
@@ -2699,7 +2609,7 @@
           <a:p>
             <a:fld id="{A7042DB0-B16A-4DC5-BCCD-59D337B75E0B}" type="datetimeFigureOut">
               <a:rPr lang="en-US" smtClean="0"/>
-              <a:t>10/3/2024</a:t>
+              <a:t>1/3/2025</a:t>
             </a:fld>
             <a:endParaRPr lang="en-US"/>
           </a:p>
@@ -3010,7 +2920,7 @@
           <a:p>
             <a:fld id="{A7042DB0-B16A-4DC5-BCCD-59D337B75E0B}" type="datetimeFigureOut">
               <a:rPr lang="en-US" smtClean="0"/>
-              <a:t>10/3/2024</a:t>
+              <a:t>1/3/2025</a:t>
             </a:fld>
             <a:endParaRPr lang="en-US"/>
           </a:p>
@@ -3298,7 +3208,7 @@
           <a:p>
             <a:fld id="{A7042DB0-B16A-4DC5-BCCD-59D337B75E0B}" type="datetimeFigureOut">
               <a:rPr lang="en-US" smtClean="0"/>
-              <a:t>10/3/2024</a:t>
+              <a:t>1/3/2025</a:t>
             </a:fld>
             <a:endParaRPr lang="en-US"/>
           </a:p>
@@ -3539,7 +3449,7 @@
           <a:p>
             <a:fld id="{A7042DB0-B16A-4DC5-BCCD-59D337B75E0B}" type="datetimeFigureOut">
               <a:rPr lang="en-US" smtClean="0"/>
-              <a:t>10/3/2024</a:t>
+              <a:t>1/3/2025</a:t>
             </a:fld>
             <a:endParaRPr lang="en-US"/>
           </a:p>
@@ -4640,715 +4550,6 @@
     <p:extLst>
       <p:ext uri="{BB962C8B-B14F-4D97-AF65-F5344CB8AC3E}">
         <p14:creationId xmlns:p14="http://schemas.microsoft.com/office/powerpoint/2010/main" val="2033803203"/>
-      </p:ext>
-    </p:extLst>
-  </p:cSld>
-  <p:clrMapOvr>
-    <a:masterClrMapping/>
-  </p:clrMapOvr>
-</p:sld>
-</file>
-
-<file path=ppt/slides/slide2.xml><?xml version="1.0" encoding="utf-8"?>
-<p:sld xmlns:a="http://schemas.openxmlformats.org/drawingml/2006/main" xmlns:r="http://schemas.openxmlformats.org/officeDocument/2006/relationships" xmlns:p="http://schemas.openxmlformats.org/presentationml/2006/main">
-  <p:cSld>
-    <p:spTree>
-      <p:nvGrpSpPr>
-        <p:cNvPr id="1" name=""/>
-        <p:cNvGrpSpPr/>
-        <p:nvPr/>
-      </p:nvGrpSpPr>
-      <p:grpSpPr>
-        <a:xfrm>
-          <a:off x="0" y="0"/>
-          <a:ext cx="0" cy="0"/>
-          <a:chOff x="0" y="0"/>
-          <a:chExt cx="0" cy="0"/>
-        </a:xfrm>
-      </p:grpSpPr>
-      <p:sp>
-        <p:nvSpPr>
-          <p:cNvPr id="4" name="CustomShape 1">
-            <a:extLst>
-              <a:ext uri="{FF2B5EF4-FFF2-40B4-BE49-F238E27FC236}">
-                <a16:creationId xmlns:a16="http://schemas.microsoft.com/office/drawing/2014/main" id="{FA8A5677-ACE4-4E7A-9C82-0CEA1F94EF04}"/>
-              </a:ext>
-            </a:extLst>
-          </p:cNvPr>
-          <p:cNvSpPr/>
-          <p:nvPr/>
-        </p:nvSpPr>
-        <p:spPr>
-          <a:xfrm>
-            <a:off x="566591" y="93470"/>
-            <a:ext cx="8347578" cy="725404"/>
-          </a:xfrm>
-          <a:prstGeom prst="rect">
-            <a:avLst/>
-          </a:prstGeom>
-          <a:noFill/>
-          <a:ln>
-            <a:noFill/>
-          </a:ln>
-        </p:spPr>
-        <p:style>
-          <a:lnRef idx="0">
-            <a:scrgbClr r="0" g="0" b="0"/>
-          </a:lnRef>
-          <a:fillRef idx="0">
-            <a:scrgbClr r="0" g="0" b="0"/>
-          </a:fillRef>
-          <a:effectRef idx="0">
-            <a:scrgbClr r="0" g="0" b="0"/>
-          </a:effectRef>
-          <a:fontRef idx="minor"/>
-        </p:style>
-        <p:txBody>
-          <a:bodyPr lIns="0" tIns="0" rIns="0" bIns="0" anchor="ctr">
-            <a:noAutofit/>
-          </a:bodyPr>
-          <a:lstStyle/>
-          <a:p>
-            <a:r>
-              <a:rPr lang="en-GB" sz="2540" b="1" spc="-1" dirty="0">
-                <a:solidFill>
-                  <a:srgbClr val="17375E"/>
-                </a:solidFill>
-                <a:latin typeface="Calibri"/>
-              </a:rPr>
-              <a:t>Phase 4  –  Re-Repolished, Re-Recoated and Stored in vacuum</a:t>
-            </a:r>
-            <a:endParaRPr lang="en-US" sz="2540" b="1" spc="-1" dirty="0">
-              <a:solidFill>
-                <a:srgbClr val="17375E"/>
-              </a:solidFill>
-              <a:latin typeface="Calibri"/>
-            </a:endParaRPr>
-          </a:p>
-        </p:txBody>
-      </p:sp>
-      <p:sp>
-        <p:nvSpPr>
-          <p:cNvPr id="9" name="Rectangle 16">
-            <a:extLst>
-              <a:ext uri="{FF2B5EF4-FFF2-40B4-BE49-F238E27FC236}">
-                <a16:creationId xmlns:a16="http://schemas.microsoft.com/office/drawing/2014/main" id="{CB3A4417-CECD-4B53-932D-C55E8AF8B04A}"/>
-              </a:ext>
-            </a:extLst>
-          </p:cNvPr>
-          <p:cNvSpPr>
-            <a:spLocks noChangeArrowheads="1"/>
-          </p:cNvSpPr>
-          <p:nvPr/>
-        </p:nvSpPr>
-        <p:spPr bwMode="auto">
-          <a:xfrm>
-            <a:off x="187" y="23955032"/>
-            <a:ext cx="130353" cy="260582"/>
-          </a:xfrm>
-          <a:prstGeom prst="rect">
-            <a:avLst/>
-          </a:prstGeom>
-          <a:noFill/>
-          <a:ln>
-            <a:noFill/>
-          </a:ln>
-          <a:effectLst/>
-          <a:extLst>
-            <a:ext uri="{909E8E84-426E-40DD-AFC4-6F175D3DCCD1}">
-              <a14:hiddenFill xmlns:a14="http://schemas.microsoft.com/office/drawing/2010/main">
-                <a:solidFill>
-                  <a:schemeClr val="accent1"/>
-                </a:solidFill>
-              </a14:hiddenFill>
-            </a:ext>
-            <a:ext uri="{91240B29-F687-4F45-9708-019B960494DF}">
-              <a14:hiddenLine xmlns:a14="http://schemas.microsoft.com/office/drawing/2010/main" w="9525">
-                <a:solidFill>
-                  <a:schemeClr val="tx1"/>
-                </a:solidFill>
-                <a:miter lim="800000"/>
-                <a:headEnd/>
-                <a:tailEnd/>
-              </a14:hiddenLine>
-            </a:ext>
-            <a:ext uri="{AF507438-7753-43E0-B8FC-AC1667EBCBE1}">
-              <a14:hiddenEffects xmlns:a14="http://schemas.microsoft.com/office/drawing/2010/main">
-                <a:effectLst>
-                  <a:outerShdw dist="35921" dir="2700000" algn="ctr" rotWithShape="0">
-                    <a:schemeClr val="bg2"/>
-                  </a:outerShdw>
-                </a:effectLst>
-              </a14:hiddenEffects>
-            </a:ext>
-          </a:extLst>
-        </p:spPr>
-        <p:txBody>
-          <a:bodyPr vert="horz" wrap="none" lIns="64514" tIns="32257" rIns="64514" bIns="32257" numCol="1" anchor="ctr" anchorCtr="0" compatLnSpc="1">
-            <a:prstTxWarp prst="textNoShape">
-              <a:avLst/>
-            </a:prstTxWarp>
-            <a:spAutoFit/>
-          </a:bodyPr>
-          <a:lstStyle/>
-          <a:p>
-            <a:endParaRPr lang="en-GB" sz="1270"/>
-          </a:p>
-        </p:txBody>
-      </p:sp>
-      <p:sp>
-        <p:nvSpPr>
-          <p:cNvPr id="12" name="Rectangle 32">
-            <a:extLst>
-              <a:ext uri="{FF2B5EF4-FFF2-40B4-BE49-F238E27FC236}">
-                <a16:creationId xmlns:a16="http://schemas.microsoft.com/office/drawing/2014/main" id="{F46C184B-F9BE-42C4-BB0D-1D98E75D0514}"/>
-              </a:ext>
-            </a:extLst>
-          </p:cNvPr>
-          <p:cNvSpPr>
-            <a:spLocks noChangeArrowheads="1"/>
-          </p:cNvSpPr>
-          <p:nvPr/>
-        </p:nvSpPr>
-        <p:spPr bwMode="auto">
-          <a:xfrm>
-            <a:off x="107711" y="24062556"/>
-            <a:ext cx="130353" cy="260582"/>
-          </a:xfrm>
-          <a:prstGeom prst="rect">
-            <a:avLst/>
-          </a:prstGeom>
-          <a:noFill/>
-          <a:ln>
-            <a:noFill/>
-          </a:ln>
-          <a:effectLst/>
-          <a:extLst>
-            <a:ext uri="{909E8E84-426E-40DD-AFC4-6F175D3DCCD1}">
-              <a14:hiddenFill xmlns:a14="http://schemas.microsoft.com/office/drawing/2010/main">
-                <a:solidFill>
-                  <a:schemeClr val="accent1"/>
-                </a:solidFill>
-              </a14:hiddenFill>
-            </a:ext>
-            <a:ext uri="{91240B29-F687-4F45-9708-019B960494DF}">
-              <a14:hiddenLine xmlns:a14="http://schemas.microsoft.com/office/drawing/2010/main" w="9525">
-                <a:solidFill>
-                  <a:schemeClr val="tx1"/>
-                </a:solidFill>
-                <a:miter lim="800000"/>
-                <a:headEnd/>
-                <a:tailEnd/>
-              </a14:hiddenLine>
-            </a:ext>
-            <a:ext uri="{AF507438-7753-43E0-B8FC-AC1667EBCBE1}">
-              <a14:hiddenEffects xmlns:a14="http://schemas.microsoft.com/office/drawing/2010/main">
-                <a:effectLst>
-                  <a:outerShdw dist="35921" dir="2700000" algn="ctr" rotWithShape="0">
-                    <a:schemeClr val="bg2"/>
-                  </a:outerShdw>
-                </a:effectLst>
-              </a14:hiddenEffects>
-            </a:ext>
-          </a:extLst>
-        </p:spPr>
-        <p:txBody>
-          <a:bodyPr vert="horz" wrap="none" lIns="64514" tIns="32257" rIns="64514" bIns="32257" numCol="1" anchor="ctr" anchorCtr="0" compatLnSpc="1">
-            <a:prstTxWarp prst="textNoShape">
-              <a:avLst/>
-            </a:prstTxWarp>
-            <a:spAutoFit/>
-          </a:bodyPr>
-          <a:lstStyle/>
-          <a:p>
-            <a:endParaRPr lang="en-GB" sz="1270"/>
-          </a:p>
-        </p:txBody>
-      </p:sp>
-      <p:sp>
-        <p:nvSpPr>
-          <p:cNvPr id="14" name="Rectangle 40">
-            <a:extLst>
-              <a:ext uri="{FF2B5EF4-FFF2-40B4-BE49-F238E27FC236}">
-                <a16:creationId xmlns:a16="http://schemas.microsoft.com/office/drawing/2014/main" id="{50A2460B-7E33-4E11-9409-72640DE82635}"/>
-              </a:ext>
-            </a:extLst>
-          </p:cNvPr>
-          <p:cNvSpPr>
-            <a:spLocks noChangeArrowheads="1"/>
-          </p:cNvSpPr>
-          <p:nvPr/>
-        </p:nvSpPr>
-        <p:spPr bwMode="auto">
-          <a:xfrm>
-            <a:off x="7748603" y="9742489"/>
-            <a:ext cx="130353" cy="260582"/>
-          </a:xfrm>
-          <a:prstGeom prst="rect">
-            <a:avLst/>
-          </a:prstGeom>
-          <a:noFill/>
-          <a:ln>
-            <a:noFill/>
-          </a:ln>
-          <a:effectLst/>
-          <a:extLst>
-            <a:ext uri="{909E8E84-426E-40DD-AFC4-6F175D3DCCD1}">
-              <a14:hiddenFill xmlns:a14="http://schemas.microsoft.com/office/drawing/2010/main">
-                <a:solidFill>
-                  <a:schemeClr val="accent1"/>
-                </a:solidFill>
-              </a14:hiddenFill>
-            </a:ext>
-            <a:ext uri="{91240B29-F687-4F45-9708-019B960494DF}">
-              <a14:hiddenLine xmlns:a14="http://schemas.microsoft.com/office/drawing/2010/main" w="9525">
-                <a:solidFill>
-                  <a:schemeClr val="tx1"/>
-                </a:solidFill>
-                <a:miter lim="800000"/>
-                <a:headEnd/>
-                <a:tailEnd/>
-              </a14:hiddenLine>
-            </a:ext>
-            <a:ext uri="{AF507438-7753-43E0-B8FC-AC1667EBCBE1}">
-              <a14:hiddenEffects xmlns:a14="http://schemas.microsoft.com/office/drawing/2010/main">
-                <a:effectLst>
-                  <a:outerShdw dist="35921" dir="2700000" algn="ctr" rotWithShape="0">
-                    <a:schemeClr val="bg2"/>
-                  </a:outerShdw>
-                </a:effectLst>
-              </a14:hiddenEffects>
-            </a:ext>
-          </a:extLst>
-        </p:spPr>
-        <p:txBody>
-          <a:bodyPr vert="horz" wrap="none" lIns="64514" tIns="32257" rIns="64514" bIns="32257" numCol="1" anchor="ctr" anchorCtr="0" compatLnSpc="1">
-            <a:prstTxWarp prst="textNoShape">
-              <a:avLst/>
-            </a:prstTxWarp>
-            <a:spAutoFit/>
-          </a:bodyPr>
-          <a:lstStyle/>
-          <a:p>
-            <a:endParaRPr lang="en-GB" sz="1270"/>
-          </a:p>
-        </p:txBody>
-      </p:sp>
-      <p:pic>
-        <p:nvPicPr>
-          <p:cNvPr id="18" name="Picture 24">
-            <a:extLst>
-              <a:ext uri="{FF2B5EF4-FFF2-40B4-BE49-F238E27FC236}">
-                <a16:creationId xmlns:a16="http://schemas.microsoft.com/office/drawing/2014/main" id="{E3EBF216-B69E-40B0-8F71-3C0CB85017B0}"/>
-              </a:ext>
-            </a:extLst>
-          </p:cNvPr>
-          <p:cNvPicPr/>
-          <p:nvPr/>
-        </p:nvPicPr>
-        <p:blipFill>
-          <a:blip r:embed="rId3"/>
-          <a:srcRect r="-101"/>
-          <a:stretch/>
-        </p:blipFill>
-        <p:spPr>
-          <a:xfrm>
-            <a:off x="9636362" y="31473"/>
-            <a:ext cx="2244470" cy="644579"/>
-          </a:xfrm>
-          <a:prstGeom prst="rect">
-            <a:avLst/>
-          </a:prstGeom>
-          <a:ln>
-            <a:noFill/>
-          </a:ln>
-        </p:spPr>
-      </p:pic>
-      <p:sp>
-        <p:nvSpPr>
-          <p:cNvPr id="7" name="TextBox 6">
-            <a:extLst>
-              <a:ext uri="{FF2B5EF4-FFF2-40B4-BE49-F238E27FC236}">
-                <a16:creationId xmlns:a16="http://schemas.microsoft.com/office/drawing/2014/main" id="{A422397A-D4AF-4B33-A71C-06D43E8D9A99}"/>
-              </a:ext>
-            </a:extLst>
-          </p:cNvPr>
-          <p:cNvSpPr txBox="1"/>
-          <p:nvPr/>
-        </p:nvSpPr>
-        <p:spPr>
-          <a:xfrm>
-            <a:off x="252140" y="1020018"/>
-            <a:ext cx="5743152" cy="352854"/>
-          </a:xfrm>
-          <a:prstGeom prst="rect">
-            <a:avLst/>
-          </a:prstGeom>
-          <a:noFill/>
-        </p:spPr>
-        <p:txBody>
-          <a:bodyPr wrap="square" rtlCol="0">
-            <a:spAutoFit/>
-          </a:bodyPr>
-          <a:lstStyle/>
-          <a:p>
-            <a:pPr marL="201597" indent="-201597">
-              <a:buFont typeface="Arial" panose="020B0604020202020204" pitchFamily="34" charset="0"/>
-              <a:buChar char="•"/>
-            </a:pPr>
-            <a:r>
-              <a:rPr lang="en-GB" sz="1693" dirty="0"/>
-              <a:t>Sample 1201 02.10.23 Site1:</a:t>
-            </a:r>
-          </a:p>
-        </p:txBody>
-      </p:sp>
-      <p:grpSp>
-        <p:nvGrpSpPr>
-          <p:cNvPr id="56" name="Group 55">
-            <a:extLst>
-              <a:ext uri="{FF2B5EF4-FFF2-40B4-BE49-F238E27FC236}">
-                <a16:creationId xmlns:a16="http://schemas.microsoft.com/office/drawing/2014/main" id="{D070501D-F489-495F-AB26-A1D4FF8E6029}"/>
-              </a:ext>
-            </a:extLst>
-          </p:cNvPr>
-          <p:cNvGrpSpPr/>
-          <p:nvPr/>
-        </p:nvGrpSpPr>
-        <p:grpSpPr>
-          <a:xfrm>
-            <a:off x="175739" y="1520399"/>
-            <a:ext cx="5841842" cy="1908600"/>
-            <a:chOff x="2159793" y="2562729"/>
-            <a:chExt cx="12960351" cy="3850102"/>
-          </a:xfrm>
-        </p:grpSpPr>
-        <p:pic>
-          <p:nvPicPr>
-            <p:cNvPr id="57" name="Picture 56" descr="A close-up of a grey rectangular object&#10;&#10;Description automatically generated">
-              <a:extLst>
-                <a:ext uri="{FF2B5EF4-FFF2-40B4-BE49-F238E27FC236}">
-                  <a16:creationId xmlns:a16="http://schemas.microsoft.com/office/drawing/2014/main" id="{F031CD4A-4AA4-4FF5-AE03-4DE2C2EA49C3}"/>
-                </a:ext>
-              </a:extLst>
-            </p:cNvPr>
-            <p:cNvPicPr>
-              <a:picLocks noChangeAspect="1"/>
-            </p:cNvPicPr>
-            <p:nvPr/>
-          </p:nvPicPr>
-          <p:blipFill rotWithShape="1">
-            <a:blip r:embed="rId4">
-              <a:extLst>
-                <a:ext uri="{28A0092B-C50C-407E-A947-70E740481C1C}">
-                  <a14:useLocalDpi xmlns:a14="http://schemas.microsoft.com/office/drawing/2010/main" val="0"/>
-                </a:ext>
-              </a:extLst>
-            </a:blip>
-            <a:srcRect t="26365" b="34026"/>
-            <a:stretch/>
-          </p:blipFill>
-          <p:spPr>
-            <a:xfrm>
-              <a:off x="2159793" y="2562729"/>
-              <a:ext cx="12960351" cy="3850102"/>
-            </a:xfrm>
-            <a:prstGeom prst="rect">
-              <a:avLst/>
-            </a:prstGeom>
-          </p:spPr>
-        </p:pic>
-        <p:pic>
-          <p:nvPicPr>
-            <p:cNvPr id="58" name="Picture 57" descr="A close-up of a grey rectangular object&#10;&#10;Description automatically generated">
-              <a:extLst>
-                <a:ext uri="{FF2B5EF4-FFF2-40B4-BE49-F238E27FC236}">
-                  <a16:creationId xmlns:a16="http://schemas.microsoft.com/office/drawing/2014/main" id="{D7769817-AB67-4F9C-92B7-095E0C9EAA0C}"/>
-                </a:ext>
-              </a:extLst>
-            </p:cNvPr>
-            <p:cNvPicPr>
-              <a:picLocks noChangeAspect="1"/>
-            </p:cNvPicPr>
-            <p:nvPr/>
-          </p:nvPicPr>
-          <p:blipFill rotWithShape="1">
-            <a:blip r:embed="rId4">
-              <a:extLst>
-                <a:ext uri="{28A0092B-C50C-407E-A947-70E740481C1C}">
-                  <a14:useLocalDpi xmlns:a14="http://schemas.microsoft.com/office/drawing/2010/main" val="0"/>
-                </a:ext>
-              </a:extLst>
-            </a:blip>
-            <a:srcRect l="18272" t="92504" r="71423" b="2753"/>
-            <a:stretch/>
-          </p:blipFill>
-          <p:spPr>
-            <a:xfrm>
-              <a:off x="2159793" y="5951788"/>
-              <a:ext cx="1335505" cy="461043"/>
-            </a:xfrm>
-            <a:prstGeom prst="rect">
-              <a:avLst/>
-            </a:prstGeom>
-          </p:spPr>
-        </p:pic>
-      </p:grpSp>
-      <p:pic>
-        <p:nvPicPr>
-          <p:cNvPr id="13" name="Picture 12" descr="A colorful background with black border&#10;&#10;Description automatically generated">
-            <a:extLst>
-              <a:ext uri="{FF2B5EF4-FFF2-40B4-BE49-F238E27FC236}">
-                <a16:creationId xmlns:a16="http://schemas.microsoft.com/office/drawing/2014/main" id="{599F39FD-E3D4-4525-BBAE-26E26FC6E2EA}"/>
-              </a:ext>
-            </a:extLst>
-          </p:cNvPr>
-          <p:cNvPicPr>
-            <a:picLocks noChangeAspect="1"/>
-          </p:cNvPicPr>
-          <p:nvPr/>
-        </p:nvPicPr>
-        <p:blipFill>
-          <a:blip r:embed="rId5">
-            <a:extLst>
-              <a:ext uri="{28A0092B-C50C-407E-A947-70E740481C1C}">
-                <a14:useLocalDpi xmlns:a14="http://schemas.microsoft.com/office/drawing/2010/main" val="0"/>
-              </a:ext>
-            </a:extLst>
-          </a:blip>
-          <a:stretch>
-            <a:fillRect/>
-          </a:stretch>
-        </p:blipFill>
-        <p:spPr>
-          <a:xfrm>
-            <a:off x="6196710" y="752102"/>
-            <a:ext cx="5841842" cy="1525285"/>
-          </a:xfrm>
-          <a:prstGeom prst="rect">
-            <a:avLst/>
-          </a:prstGeom>
-        </p:spPr>
-      </p:pic>
-      <p:pic>
-        <p:nvPicPr>
-          <p:cNvPr id="62" name="Picture 61" descr="A blue and red rectangular object&#10;&#10;Description automatically generated">
-            <a:extLst>
-              <a:ext uri="{FF2B5EF4-FFF2-40B4-BE49-F238E27FC236}">
-                <a16:creationId xmlns:a16="http://schemas.microsoft.com/office/drawing/2014/main" id="{59BB3144-05D1-4D3C-959B-84F949BB7017}"/>
-              </a:ext>
-            </a:extLst>
-          </p:cNvPr>
-          <p:cNvPicPr>
-            <a:picLocks noChangeAspect="1"/>
-          </p:cNvPicPr>
-          <p:nvPr/>
-        </p:nvPicPr>
-        <p:blipFill>
-          <a:blip r:embed="rId6">
-            <a:extLst>
-              <a:ext uri="{28A0092B-C50C-407E-A947-70E740481C1C}">
-                <a14:useLocalDpi xmlns:a14="http://schemas.microsoft.com/office/drawing/2010/main" val="0"/>
-              </a:ext>
-            </a:extLst>
-          </a:blip>
-          <a:stretch>
-            <a:fillRect/>
-          </a:stretch>
-        </p:blipFill>
-        <p:spPr>
-          <a:xfrm>
-            <a:off x="175739" y="4928485"/>
-            <a:ext cx="5841842" cy="1525285"/>
-          </a:xfrm>
-          <a:prstGeom prst="rect">
-            <a:avLst/>
-          </a:prstGeom>
-        </p:spPr>
-      </p:pic>
-      <p:pic>
-        <p:nvPicPr>
-          <p:cNvPr id="64" name="Picture 63" descr="A broken glass with a black border&#10;&#10;Description automatically generated">
-            <a:extLst>
-              <a:ext uri="{FF2B5EF4-FFF2-40B4-BE49-F238E27FC236}">
-                <a16:creationId xmlns:a16="http://schemas.microsoft.com/office/drawing/2014/main" id="{D854660B-8F7E-4CCC-8683-7DC79513F3D8}"/>
-              </a:ext>
-            </a:extLst>
-          </p:cNvPr>
-          <p:cNvPicPr>
-            <a:picLocks noChangeAspect="1"/>
-          </p:cNvPicPr>
-          <p:nvPr/>
-        </p:nvPicPr>
-        <p:blipFill>
-          <a:blip r:embed="rId7">
-            <a:extLst>
-              <a:ext uri="{28A0092B-C50C-407E-A947-70E740481C1C}">
-                <a14:useLocalDpi xmlns:a14="http://schemas.microsoft.com/office/drawing/2010/main" val="0"/>
-              </a:ext>
-            </a:extLst>
-          </a:blip>
-          <a:stretch>
-            <a:fillRect/>
-          </a:stretch>
-        </p:blipFill>
-        <p:spPr>
-          <a:xfrm>
-            <a:off x="175739" y="3295676"/>
-            <a:ext cx="5841842" cy="1525285"/>
-          </a:xfrm>
-          <a:prstGeom prst="rect">
-            <a:avLst/>
-          </a:prstGeom>
-        </p:spPr>
-      </p:pic>
-      <p:pic>
-        <p:nvPicPr>
-          <p:cNvPr id="65" name="Picture 64" descr="A colorful background with black border&#10;&#10;Description automatically generated">
-            <a:extLst>
-              <a:ext uri="{FF2B5EF4-FFF2-40B4-BE49-F238E27FC236}">
-                <a16:creationId xmlns:a16="http://schemas.microsoft.com/office/drawing/2014/main" id="{CA5B2D73-B706-4606-B857-DE6ED422B384}"/>
-              </a:ext>
-            </a:extLst>
-          </p:cNvPr>
-          <p:cNvPicPr>
-            <a:picLocks noChangeAspect="1"/>
-          </p:cNvPicPr>
-          <p:nvPr/>
-        </p:nvPicPr>
-        <p:blipFill>
-          <a:blip r:embed="rId8">
-            <a:extLst>
-              <a:ext uri="{28A0092B-C50C-407E-A947-70E740481C1C}">
-                <a14:useLocalDpi xmlns:a14="http://schemas.microsoft.com/office/drawing/2010/main" val="0"/>
-              </a:ext>
-            </a:extLst>
-          </a:blip>
-          <a:stretch>
-            <a:fillRect/>
-          </a:stretch>
-        </p:blipFill>
-        <p:spPr>
-          <a:xfrm>
-            <a:off x="6218999" y="2277387"/>
-            <a:ext cx="5841842" cy="1525285"/>
-          </a:xfrm>
-          <a:prstGeom prst="rect">
-            <a:avLst/>
-          </a:prstGeom>
-        </p:spPr>
-      </p:pic>
-      <p:pic>
-        <p:nvPicPr>
-          <p:cNvPr id="66" name="Picture 65" descr="A colorful background with black border&#10;&#10;Description automatically generated">
-            <a:extLst>
-              <a:ext uri="{FF2B5EF4-FFF2-40B4-BE49-F238E27FC236}">
-                <a16:creationId xmlns:a16="http://schemas.microsoft.com/office/drawing/2014/main" id="{0B224079-5920-4645-A72C-44DDE73B0199}"/>
-              </a:ext>
-            </a:extLst>
-          </p:cNvPr>
-          <p:cNvPicPr>
-            <a:picLocks noChangeAspect="1"/>
-          </p:cNvPicPr>
-          <p:nvPr/>
-        </p:nvPicPr>
-        <p:blipFill>
-          <a:blip r:embed="rId9">
-            <a:extLst>
-              <a:ext uri="{28A0092B-C50C-407E-A947-70E740481C1C}">
-                <a14:useLocalDpi xmlns:a14="http://schemas.microsoft.com/office/drawing/2010/main" val="0"/>
-              </a:ext>
-            </a:extLst>
-          </a:blip>
-          <a:stretch>
-            <a:fillRect/>
-          </a:stretch>
-        </p:blipFill>
-        <p:spPr>
-          <a:xfrm>
-            <a:off x="6218999" y="3802673"/>
-            <a:ext cx="5819553" cy="1519465"/>
-          </a:xfrm>
-          <a:prstGeom prst="rect">
-            <a:avLst/>
-          </a:prstGeom>
-        </p:spPr>
-      </p:pic>
-      <p:pic>
-        <p:nvPicPr>
-          <p:cNvPr id="67" name="Picture 66" descr="A colorful background with black border&#10;&#10;Description automatically generated">
-            <a:extLst>
-              <a:ext uri="{FF2B5EF4-FFF2-40B4-BE49-F238E27FC236}">
-                <a16:creationId xmlns:a16="http://schemas.microsoft.com/office/drawing/2014/main" id="{21620339-4535-4B7C-B610-C9050BED0822}"/>
-              </a:ext>
-            </a:extLst>
-          </p:cNvPr>
-          <p:cNvPicPr>
-            <a:picLocks noChangeAspect="1"/>
-          </p:cNvPicPr>
-          <p:nvPr/>
-        </p:nvPicPr>
-        <p:blipFill>
-          <a:blip r:embed="rId10">
-            <a:extLst>
-              <a:ext uri="{28A0092B-C50C-407E-A947-70E740481C1C}">
-                <a14:useLocalDpi xmlns:a14="http://schemas.microsoft.com/office/drawing/2010/main" val="0"/>
-              </a:ext>
-            </a:extLst>
-          </a:blip>
-          <a:stretch>
-            <a:fillRect/>
-          </a:stretch>
-        </p:blipFill>
-        <p:spPr>
-          <a:xfrm>
-            <a:off x="6218999" y="5343110"/>
-            <a:ext cx="5819553" cy="1519465"/>
-          </a:xfrm>
-          <a:prstGeom prst="rect">
-            <a:avLst/>
-          </a:prstGeom>
-        </p:spPr>
-      </p:pic>
-      <p:pic>
-        <p:nvPicPr>
-          <p:cNvPr id="17" name="Picture 16" descr="A blue and red rectangular object&#10;&#10;Description automatically generated">
-            <a:extLst>
-              <a:ext uri="{FF2B5EF4-FFF2-40B4-BE49-F238E27FC236}">
-                <a16:creationId xmlns:a16="http://schemas.microsoft.com/office/drawing/2014/main" id="{5744F337-6402-46B9-B200-ECC554782E62}"/>
-              </a:ext>
-            </a:extLst>
-          </p:cNvPr>
-          <p:cNvPicPr>
-            <a:picLocks noChangeAspect="1"/>
-          </p:cNvPicPr>
-          <p:nvPr/>
-        </p:nvPicPr>
-        <p:blipFill rotWithShape="1">
-          <a:blip r:embed="rId6">
-            <a:extLst>
-              <a:ext uri="{28A0092B-C50C-407E-A947-70E740481C1C}">
-                <a14:useLocalDpi xmlns:a14="http://schemas.microsoft.com/office/drawing/2010/main" val="0"/>
-              </a:ext>
-            </a:extLst>
-          </a:blip>
-          <a:srcRect l="295" t="83937" r="86132" b="7946"/>
-          <a:stretch/>
-        </p:blipFill>
-        <p:spPr>
-          <a:xfrm>
-            <a:off x="175739" y="6101928"/>
-            <a:ext cx="1501972" cy="234518"/>
-          </a:xfrm>
-          <a:prstGeom prst="rect">
-            <a:avLst/>
-          </a:prstGeom>
-        </p:spPr>
-      </p:pic>
-    </p:spTree>
-    <p:extLst>
-      <p:ext uri="{BB962C8B-B14F-4D97-AF65-F5344CB8AC3E}">
-        <p14:creationId xmlns:p14="http://schemas.microsoft.com/office/powerpoint/2010/main" val="3111611760"/>
       </p:ext>
     </p:extLst>
   </p:cSld>
